--- a/Scienze/Biochimica/8. Biotecnologie/Slides/7. Red_biotechnology.pptx
+++ b/Scienze/Biochimica/8. Biotecnologie/Slides/7. Red_biotechnology.pptx
@@ -1,6 +1,6 @@
 
 <file path=ppt/presentation.xml><?xml version="1.0" encoding="utf-8"?>
-<p:presentation xmlns:a="http://schemas.openxmlformats.org/drawingml/2006/main" xmlns:r="http://schemas.openxmlformats.org/officeDocument/2006/relationships" xmlns:p="http://schemas.openxmlformats.org/presentationml/2006/main" strictFirstAndLastChars="0" embedTrueTypeFonts="1" saveSubsetFonts="1" autoCompressPictures="0">
+<p:presentation xmlns:a="http://schemas.openxmlformats.org/drawingml/2006/main" xmlns:r="http://schemas.openxmlformats.org/officeDocument/2006/relationships" xmlns:p="http://schemas.openxmlformats.org/presentationml/2006/main" strictFirstAndLastChars="0" embedTrueTypeFonts="1" autoCompressPictures="0">
   <p:sldMasterIdLst>
     <p:sldMasterId id="2147483663" r:id="rId1"/>
   </p:sldMasterIdLst>
@@ -22,7 +22,7 @@
   <p:notesSz cx="6858000" cy="9144000"/>
   <p:embeddedFontLst>
     <p:embeddedFont>
-      <p:font typeface="Helvetica Neue" charset="0"/>
+      <p:font typeface="Helvetica Neue" panose="02000503000000020004" pitchFamily="2" charset="0"/>
       <p:regular r:id="rId12"/>
       <p:bold r:id="rId13"/>
       <p:italic r:id="rId14"/>
@@ -258,6 +258,22 @@
       </a:defRPr>
     </a:lvl9pPr>
   </p:defaultTextStyle>
+  <p:extLst>
+    <p:ext uri="{EFAFB233-063F-42B5-8137-9DF3F51BA10A}">
+      <p15:sldGuideLst xmlns:p15="http://schemas.microsoft.com/office/powerpoint/2012/main">
+        <p15:guide id="1" orient="horz" pos="3072">
+          <p15:clr>
+            <a:srgbClr val="A4A3A4"/>
+          </p15:clr>
+        </p15:guide>
+        <p15:guide id="2" pos="4096">
+          <p15:clr>
+            <a:srgbClr val="A4A3A4"/>
+          </p15:clr>
+        </p15:guide>
+      </p15:sldGuideLst>
+    </p:ext>
+  </p:extLst>
 </p:presentation>
 </file>
 
@@ -13800,6 +13816,14 @@
 <file path=ppt/slides/slide1.xml><?xml version="1.0" encoding="utf-8"?>
 <p:sld xmlns:a="http://schemas.openxmlformats.org/drawingml/2006/main" xmlns:r="http://schemas.openxmlformats.org/officeDocument/2006/relationships" xmlns:p="http://schemas.openxmlformats.org/presentationml/2006/main">
   <p:cSld>
+    <p:bg>
+      <p:bgPr>
+        <a:solidFill>
+          <a:schemeClr val="accent1"/>
+        </a:solidFill>
+        <a:effectLst/>
+      </p:bgPr>
+    </p:bg>
     <p:spTree>
       <p:nvGrpSpPr>
         <p:cNvPr id="1" name="Shape 75"/>
@@ -13889,14 +13913,9 @@
   <p:cSld>
     <p:bg>
       <p:bgPr>
-        <a:blipFill>
-          <a:blip r:embed="rId3">
-            <a:alphaModFix/>
-          </a:blip>
-          <a:stretch>
-            <a:fillRect/>
-          </a:stretch>
-        </a:blipFill>
+        <a:solidFill>
+          <a:schemeClr val="accent1"/>
+        </a:solidFill>
         <a:effectLst/>
       </p:bgPr>
     </p:bg>
@@ -14590,14 +14609,9 @@
   <p:cSld>
     <p:bg>
       <p:bgPr>
-        <a:blipFill>
-          <a:blip r:embed="rId3">
-            <a:alphaModFix/>
-          </a:blip>
-          <a:stretch>
-            <a:fillRect/>
-          </a:stretch>
-        </a:blipFill>
+        <a:solidFill>
+          <a:schemeClr val="accent1"/>
+        </a:solidFill>
         <a:effectLst/>
       </p:bgPr>
     </p:bg>
@@ -14880,14 +14894,9 @@
   <p:cSld>
     <p:bg>
       <p:bgPr>
-        <a:blipFill>
-          <a:blip r:embed="rId3">
-            <a:alphaModFix/>
-          </a:blip>
-          <a:stretch>
-            <a:fillRect/>
-          </a:stretch>
-        </a:blipFill>
+        <a:solidFill>
+          <a:schemeClr val="accent1"/>
+        </a:solidFill>
         <a:effectLst/>
       </p:bgPr>
     </p:bg>
@@ -16116,7 +16125,7 @@
               <a:t> </a:t>
             </a:r>
             <a:r>
-              <a:rPr lang="en-US" sz="2016" dirty="0" err="1" smtClean="0">
+              <a:rPr lang="en-US" sz="2016" dirty="0" err="1">
                 <a:solidFill>
                   <a:srgbClr val="FFFFFF"/>
                 </a:solidFill>
@@ -16124,7 +16133,7 @@
               <a:t>batteriche</a:t>
             </a:r>
             <a:r>
-              <a:rPr lang="en-US" sz="2016" dirty="0" smtClean="0">
+              <a:rPr lang="en-US" sz="2016" dirty="0">
                 <a:solidFill>
                   <a:srgbClr val="FFFFFF"/>
                 </a:solidFill>
@@ -16472,7 +16481,7 @@
           <p:nvPr/>
         </p:nvPicPr>
         <p:blipFill rotWithShape="1">
-          <a:blip r:embed="rId4">
+          <a:blip r:embed="rId3">
             <a:alphaModFix/>
           </a:blip>
           <a:srcRect/>
@@ -16589,14 +16598,9 @@
   <p:cSld>
     <p:bg>
       <p:bgPr>
-        <a:blipFill>
-          <a:blip r:embed="rId3">
-            <a:alphaModFix/>
-          </a:blip>
-          <a:stretch>
-            <a:fillRect/>
-          </a:stretch>
-        </a:blipFill>
+        <a:solidFill>
+          <a:schemeClr val="accent1"/>
+        </a:solidFill>
         <a:effectLst/>
       </p:bgPr>
     </p:bg>
@@ -16857,7 +16861,7 @@
           <p:nvPr/>
         </p:nvPicPr>
         <p:blipFill rotWithShape="1">
-          <a:blip r:embed="rId4">
+          <a:blip r:embed="rId3">
             <a:alphaModFix/>
           </a:blip>
           <a:srcRect/>
@@ -16890,14 +16894,9 @@
   <p:cSld>
     <p:bg>
       <p:bgPr>
-        <a:blipFill>
-          <a:blip r:embed="rId3">
-            <a:alphaModFix/>
-          </a:blip>
-          <a:stretch>
-            <a:fillRect/>
-          </a:stretch>
-        </a:blipFill>
+        <a:solidFill>
+          <a:schemeClr val="accent1"/>
+        </a:solidFill>
         <a:effectLst/>
       </p:bgPr>
     </p:bg>
@@ -17224,7 +17223,7 @@
           <p:nvPr/>
         </p:nvPicPr>
         <p:blipFill rotWithShape="1">
-          <a:blip r:embed="rId4">
+          <a:blip r:embed="rId3">
             <a:alphaModFix/>
           </a:blip>
           <a:srcRect/>
@@ -17341,14 +17340,9 @@
   <p:cSld>
     <p:bg>
       <p:bgPr>
-        <a:blipFill>
-          <a:blip r:embed="rId3">
-            <a:alphaModFix/>
-          </a:blip>
-          <a:stretch>
-            <a:fillRect/>
-          </a:stretch>
-        </a:blipFill>
+        <a:solidFill>
+          <a:schemeClr val="accent1"/>
+        </a:solidFill>
         <a:effectLst/>
       </p:bgPr>
     </p:bg>
@@ -17677,7 +17671,7 @@
           <p:nvPr/>
         </p:nvPicPr>
         <p:blipFill rotWithShape="1">
-          <a:blip r:embed="rId4">
+          <a:blip r:embed="rId3">
             <a:alphaModFix/>
           </a:blip>
           <a:srcRect/>
@@ -17794,14 +17788,9 @@
   <p:cSld>
     <p:bg>
       <p:bgPr>
-        <a:blipFill>
-          <a:blip r:embed="rId3">
-            <a:alphaModFix/>
-          </a:blip>
-          <a:stretch>
-            <a:fillRect/>
-          </a:stretch>
-        </a:blipFill>
+        <a:solidFill>
+          <a:schemeClr val="accent1"/>
+        </a:solidFill>
         <a:effectLst/>
       </p:bgPr>
     </p:bg>
@@ -18946,12 +18935,8 @@
               <a:buAutoNum type="arabicParenR"/>
             </a:pPr>
             <a:r>
-              <a:rPr lang="en-US" b="1" dirty="0" smtClean="0"/>
-              <a:t>EX </a:t>
-            </a:r>
-            <a:r>
               <a:rPr lang="en-US" b="1" dirty="0"/>
-              <a:t>VIVO</a:t>
+              <a:t>EX VIVO</a:t>
             </a:r>
             <a:r>
               <a:rPr lang="en-US" sz="1994" dirty="0">
@@ -19249,11 +19234,6 @@
               </a:rPr>
               <a:t> </a:t>
             </a:r>
-            <a:endParaRPr lang="en-US" sz="1994" dirty="0" smtClean="0">
-              <a:solidFill>
-                <a:srgbClr val="FFFFFF"/>
-              </a:solidFill>
-            </a:endParaRPr>
           </a:p>
           <a:p>
             <a:pPr lvl="0" indent="-457200" algn="l" rtl="0">
@@ -19273,7 +19253,7 @@
               <a:buNone/>
             </a:pPr>
             <a:r>
-              <a:rPr lang="en-US" sz="1994" dirty="0" smtClean="0">
+              <a:rPr lang="en-US" sz="1994" dirty="0">
                 <a:solidFill>
                   <a:srgbClr val="FFFFFF"/>
                 </a:solidFill>
@@ -20051,14 +20031,9 @@
   <p:cSld>
     <p:bg>
       <p:bgPr>
-        <a:blipFill>
-          <a:blip r:embed="rId3">
-            <a:alphaModFix/>
-          </a:blip>
-          <a:stretch>
-            <a:fillRect/>
-          </a:stretch>
-        </a:blipFill>
+        <a:solidFill>
+          <a:schemeClr val="accent1"/>
+        </a:solidFill>
         <a:effectLst/>
       </p:bgPr>
     </p:bg>
@@ -21332,15 +21307,15 @@
                   <a:srgbClr val="FFFFFF"/>
                 </a:solidFill>
               </a:rPr>
-              <a:t>Per l’ </a:t>
-            </a:r>
-            <a:r>
-              <a:rPr lang="en-US" sz="1974" dirty="0" smtClean="0">
-                <a:solidFill>
-                  <a:srgbClr val="FFFFFF"/>
-                </a:solidFill>
-              </a:rPr>
-              <a:t>Alzheimer</a:t>
+              <a:t>Per l’ Alzheimer, le </a:t>
+            </a:r>
+            <a:r>
+              <a:rPr lang="en-US" sz="1974" dirty="0" err="1">
+                <a:solidFill>
+                  <a:srgbClr val="FFFFFF"/>
+                </a:solidFill>
+              </a:rPr>
+              <a:t>ricerche</a:t>
             </a:r>
             <a:r>
               <a:rPr lang="en-US" sz="1974" dirty="0">
@@ -21348,7 +21323,7 @@
                   <a:srgbClr val="FFFFFF"/>
                 </a:solidFill>
               </a:rPr>
-              <a:t>, le </a:t>
+              <a:t> </a:t>
             </a:r>
             <a:r>
               <a:rPr lang="en-US" sz="1974" dirty="0" err="1">
@@ -21356,7 +21331,7 @@
                   <a:srgbClr val="FFFFFF"/>
                 </a:solidFill>
               </a:rPr>
-              <a:t>ricerche</a:t>
+              <a:t>riguardano</a:t>
             </a:r>
             <a:r>
               <a:rPr lang="en-US" sz="1974" dirty="0">
@@ -21372,7 +21347,7 @@
                   <a:srgbClr val="FFFFFF"/>
                 </a:solidFill>
               </a:rPr>
-              <a:t>riguardano</a:t>
+              <a:t>prevalentemente</a:t>
             </a:r>
             <a:r>
               <a:rPr lang="en-US" sz="1974" dirty="0">
@@ -21388,26 +21363,10 @@
                   <a:srgbClr val="FFFFFF"/>
                 </a:solidFill>
               </a:rPr>
-              <a:t>prevalentemente</a:t>
+              <a:t>farmaci</a:t>
             </a:r>
             <a:r>
               <a:rPr lang="en-US" sz="1974" dirty="0">
-                <a:solidFill>
-                  <a:srgbClr val="FFFFFF"/>
-                </a:solidFill>
-              </a:rPr>
-              <a:t> </a:t>
-            </a:r>
-            <a:r>
-              <a:rPr lang="en-US" sz="1974" dirty="0" err="1" smtClean="0">
-                <a:solidFill>
-                  <a:srgbClr val="FFFFFF"/>
-                </a:solidFill>
-              </a:rPr>
-              <a:t>farmaci</a:t>
-            </a:r>
-            <a:r>
-              <a:rPr lang="en-US" sz="1974" dirty="0" smtClean="0">
                 <a:solidFill>
                   <a:srgbClr val="FFFFFF"/>
                 </a:solidFill>
@@ -21600,23 +21559,31 @@
                   <a:srgbClr val="FFFFFF"/>
                 </a:solidFill>
               </a:rPr>
+              <a:t> campo, </a:t>
+            </a:r>
+            <a:r>
+              <a:rPr lang="en-US" sz="1974" dirty="0" err="1">
+                <a:solidFill>
+                  <a:srgbClr val="FFFFFF"/>
+                </a:solidFill>
+              </a:rPr>
+              <a:t>della</a:t>
+            </a:r>
+            <a:r>
+              <a:rPr lang="en-US" sz="1974" dirty="0">
+                <a:solidFill>
+                  <a:srgbClr val="FFFFFF"/>
+                </a:solidFill>
+              </a:rPr>
               <a:t> </a:t>
             </a:r>
             <a:r>
-              <a:rPr lang="en-US" sz="1974" dirty="0" smtClean="0">
-                <a:solidFill>
-                  <a:srgbClr val="FFFFFF"/>
-                </a:solidFill>
-              </a:rPr>
-              <a:t>campo, </a:t>
-            </a:r>
-            <a:r>
               <a:rPr lang="en-US" sz="1974" dirty="0" err="1">
                 <a:solidFill>
                   <a:srgbClr val="FFFFFF"/>
                 </a:solidFill>
               </a:rPr>
-              <a:t>della</a:t>
+              <a:t>medicina</a:t>
             </a:r>
             <a:r>
               <a:rPr lang="en-US" sz="1974" dirty="0">
@@ -21632,7 +21599,7 @@
                   <a:srgbClr val="FFFFFF"/>
                 </a:solidFill>
               </a:rPr>
-              <a:t>medicina</a:t>
+              <a:t>rigenerativa</a:t>
             </a:r>
             <a:r>
               <a:rPr lang="en-US" sz="1974" dirty="0">
@@ -21640,18 +21607,130 @@
                   <a:srgbClr val="FFFFFF"/>
                 </a:solidFill>
               </a:rPr>
+              <a:t>, </a:t>
+            </a:r>
+            <a:r>
+              <a:rPr lang="en-US" sz="1974" dirty="0" err="1">
+                <a:solidFill>
+                  <a:srgbClr val="FFFFFF"/>
+                </a:solidFill>
+              </a:rPr>
+              <a:t>rientra</a:t>
+            </a:r>
+            <a:r>
+              <a:rPr lang="en-US" sz="1974" dirty="0">
+                <a:solidFill>
+                  <a:srgbClr val="FFFFFF"/>
+                </a:solidFill>
+              </a:rPr>
               <a:t> </a:t>
             </a:r>
             <a:r>
-              <a:rPr lang="en-US" sz="1974" dirty="0" err="1" smtClean="0">
-                <a:solidFill>
-                  <a:srgbClr val="FFFFFF"/>
-                </a:solidFill>
-              </a:rPr>
-              <a:t>rigenerativa</a:t>
-            </a:r>
-            <a:r>
-              <a:rPr lang="en-US" sz="1974" dirty="0" smtClean="0">
+              <a:rPr lang="en-US" sz="1974" dirty="0" err="1">
+                <a:solidFill>
+                  <a:srgbClr val="FFFFFF"/>
+                </a:solidFill>
+              </a:rPr>
+              <a:t>anche</a:t>
+            </a:r>
+            <a:r>
+              <a:rPr lang="en-US" sz="1974" dirty="0">
+                <a:solidFill>
+                  <a:srgbClr val="FFFFFF"/>
+                </a:solidFill>
+              </a:rPr>
+              <a:t> l’ </a:t>
+            </a:r>
+            <a:r>
+              <a:rPr lang="en-US" sz="1974" dirty="0" err="1">
+                <a:solidFill>
+                  <a:srgbClr val="FFFFFF"/>
+                </a:solidFill>
+              </a:rPr>
+              <a:t>ingegneria</a:t>
+            </a:r>
+            <a:r>
+              <a:rPr lang="en-US" sz="1974" dirty="0">
+                <a:solidFill>
+                  <a:srgbClr val="FFFFFF"/>
+                </a:solidFill>
+              </a:rPr>
+              <a:t> </a:t>
+            </a:r>
+            <a:r>
+              <a:rPr lang="en-US" sz="1974" dirty="0" err="1">
+                <a:solidFill>
+                  <a:srgbClr val="FFFFFF"/>
+                </a:solidFill>
+              </a:rPr>
+              <a:t>dei</a:t>
+            </a:r>
+            <a:r>
+              <a:rPr lang="en-US" sz="1974" dirty="0">
+                <a:solidFill>
+                  <a:srgbClr val="FFFFFF"/>
+                </a:solidFill>
+              </a:rPr>
+              <a:t> </a:t>
+            </a:r>
+            <a:r>
+              <a:rPr lang="en-US" sz="1974" dirty="0" err="1">
+                <a:solidFill>
+                  <a:srgbClr val="FFFFFF"/>
+                </a:solidFill>
+              </a:rPr>
+              <a:t>tessuti</a:t>
+            </a:r>
+            <a:r>
+              <a:rPr lang="en-US" sz="1974" dirty="0">
+                <a:solidFill>
+                  <a:srgbClr val="FFFFFF"/>
+                </a:solidFill>
+              </a:rPr>
+              <a:t>. </a:t>
+            </a:r>
+            <a:r>
+              <a:rPr lang="en-US" sz="1974" dirty="0" err="1">
+                <a:solidFill>
+                  <a:srgbClr val="FFFFFF"/>
+                </a:solidFill>
+              </a:rPr>
+              <a:t>Usando</a:t>
+            </a:r>
+            <a:r>
+              <a:rPr lang="en-US" sz="1974" dirty="0">
+                <a:solidFill>
+                  <a:srgbClr val="FFFFFF"/>
+                </a:solidFill>
+              </a:rPr>
+              <a:t> </a:t>
+            </a:r>
+            <a:r>
+              <a:rPr lang="en-US" sz="1974" dirty="0" err="1">
+                <a:solidFill>
+                  <a:srgbClr val="FFFFFF"/>
+                </a:solidFill>
+              </a:rPr>
+              <a:t>delle</a:t>
+            </a:r>
+            <a:r>
+              <a:rPr lang="en-US" sz="1974" dirty="0">
+                <a:solidFill>
+                  <a:srgbClr val="FFFFFF"/>
+                </a:solidFill>
+              </a:rPr>
+              <a:t> cellule del </a:t>
+            </a:r>
+            <a:r>
+              <a:rPr lang="en-US" sz="1974" dirty="0" err="1">
+                <a:solidFill>
+                  <a:srgbClr val="FFFFFF"/>
+                </a:solidFill>
+              </a:rPr>
+              <a:t>paziente</a:t>
+            </a:r>
+            <a:r>
+              <a:rPr lang="en-US" sz="1974" dirty="0">
                 <a:solidFill>
                   <a:srgbClr val="FFFFFF"/>
                 </a:solidFill>
@@ -21664,7 +21743,7 @@
                   <a:srgbClr val="FFFFFF"/>
                 </a:solidFill>
               </a:rPr>
-              <a:t>rientra</a:t>
+              <a:t>abbinate</a:t>
             </a:r>
             <a:r>
               <a:rPr lang="en-US" sz="1974" dirty="0">
@@ -21672,6 +21751,38 @@
                   <a:srgbClr val="FFFFFF"/>
                 </a:solidFill>
               </a:rPr>
+              <a:t> a cellule </a:t>
+            </a:r>
+            <a:r>
+              <a:rPr lang="en-US" sz="1974" dirty="0" err="1">
+                <a:solidFill>
+                  <a:srgbClr val="FFFFFF"/>
+                </a:solidFill>
+              </a:rPr>
+              <a:t>bioattive</a:t>
+            </a:r>
+            <a:r>
+              <a:rPr lang="en-US" sz="1974" dirty="0">
+                <a:solidFill>
+                  <a:srgbClr val="FFFFFF"/>
+                </a:solidFill>
+              </a:rPr>
+              <a:t> , </a:t>
+            </a:r>
+            <a:r>
+              <a:rPr lang="en-US" sz="1974" dirty="0" err="1">
+                <a:solidFill>
+                  <a:srgbClr val="FFFFFF"/>
+                </a:solidFill>
+              </a:rPr>
+              <a:t>si</a:t>
+            </a:r>
+            <a:r>
+              <a:rPr lang="en-US" sz="1974" dirty="0">
+                <a:solidFill>
+                  <a:srgbClr val="FFFFFF"/>
+                </a:solidFill>
+              </a:rPr>
               <a:t> </a:t>
             </a:r>
             <a:r>
@@ -21680,7 +21791,7 @@
                   <a:srgbClr val="FFFFFF"/>
                 </a:solidFill>
               </a:rPr>
-              <a:t>anche</a:t>
+              <a:t>ricostruisce</a:t>
             </a:r>
             <a:r>
               <a:rPr lang="en-US" sz="1974" dirty="0">
@@ -21688,7 +21799,7 @@
                   <a:srgbClr val="FFFFFF"/>
                 </a:solidFill>
               </a:rPr>
-              <a:t> l’ </a:t>
+              <a:t> un </a:t>
             </a:r>
             <a:r>
               <a:rPr lang="en-US" sz="1974" dirty="0" err="1">
@@ -21696,7 +21807,7 @@
                   <a:srgbClr val="FFFFFF"/>
                 </a:solidFill>
               </a:rPr>
-              <a:t>ingegneria</a:t>
+              <a:t>tessuto</a:t>
             </a:r>
             <a:r>
               <a:rPr lang="en-US" sz="1974" dirty="0">
@@ -21704,7 +21815,7 @@
                   <a:srgbClr val="FFFFFF"/>
                 </a:solidFill>
               </a:rPr>
-              <a:t> </a:t>
+              <a:t> o un </a:t>
             </a:r>
             <a:r>
               <a:rPr lang="en-US" sz="1974" dirty="0" err="1">
@@ -21712,7 +21823,7 @@
                   <a:srgbClr val="FFFFFF"/>
                 </a:solidFill>
               </a:rPr>
-              <a:t>dei</a:t>
+              <a:t>organo</a:t>
             </a:r>
             <a:r>
               <a:rPr lang="en-US" sz="1974" dirty="0">
@@ -21720,169 +21831,9 @@
                   <a:srgbClr val="FFFFFF"/>
                 </a:solidFill>
               </a:rPr>
-              <a:t> </a:t>
-            </a:r>
-            <a:r>
-              <a:rPr lang="en-US" sz="1974" dirty="0" err="1">
-                <a:solidFill>
-                  <a:srgbClr val="FFFFFF"/>
-                </a:solidFill>
-              </a:rPr>
-              <a:t>tessuti</a:t>
-            </a:r>
-            <a:r>
-              <a:rPr lang="en-US" sz="1974" dirty="0">
-                <a:solidFill>
-                  <a:srgbClr val="FFFFFF"/>
-                </a:solidFill>
-              </a:rPr>
               <a:t>. </a:t>
             </a:r>
-            <a:r>
-              <a:rPr lang="en-US" sz="1974" dirty="0" err="1">
-                <a:solidFill>
-                  <a:srgbClr val="FFFFFF"/>
-                </a:solidFill>
-              </a:rPr>
-              <a:t>Usando</a:t>
-            </a:r>
-            <a:r>
-              <a:rPr lang="en-US" sz="1974" dirty="0">
-                <a:solidFill>
-                  <a:srgbClr val="FFFFFF"/>
-                </a:solidFill>
-              </a:rPr>
-              <a:t> </a:t>
-            </a:r>
-            <a:r>
-              <a:rPr lang="en-US" sz="1974" dirty="0" err="1">
-                <a:solidFill>
-                  <a:srgbClr val="FFFFFF"/>
-                </a:solidFill>
-              </a:rPr>
-              <a:t>delle</a:t>
-            </a:r>
-            <a:r>
-              <a:rPr lang="en-US" sz="1974" dirty="0">
-                <a:solidFill>
-                  <a:srgbClr val="FFFFFF"/>
-                </a:solidFill>
-              </a:rPr>
-              <a:t> cellule del </a:t>
-            </a:r>
-            <a:r>
-              <a:rPr lang="en-US" sz="1974" dirty="0" err="1">
-                <a:solidFill>
-                  <a:srgbClr val="FFFFFF"/>
-                </a:solidFill>
-              </a:rPr>
-              <a:t>paziente</a:t>
-            </a:r>
-            <a:r>
-              <a:rPr lang="en-US" sz="1974" dirty="0">
-                <a:solidFill>
-                  <a:srgbClr val="FFFFFF"/>
-                </a:solidFill>
-              </a:rPr>
-              <a:t>, </a:t>
-            </a:r>
-            <a:r>
-              <a:rPr lang="en-US" sz="1974" dirty="0" err="1">
-                <a:solidFill>
-                  <a:srgbClr val="FFFFFF"/>
-                </a:solidFill>
-              </a:rPr>
-              <a:t>abbinate</a:t>
-            </a:r>
-            <a:r>
-              <a:rPr lang="en-US" sz="1974" dirty="0">
-                <a:solidFill>
-                  <a:srgbClr val="FFFFFF"/>
-                </a:solidFill>
-              </a:rPr>
-              <a:t> a cellule </a:t>
-            </a:r>
-            <a:r>
-              <a:rPr lang="en-US" sz="1974" dirty="0" err="1">
-                <a:solidFill>
-                  <a:srgbClr val="FFFFFF"/>
-                </a:solidFill>
-              </a:rPr>
-              <a:t>bioattive</a:t>
-            </a:r>
-            <a:r>
-              <a:rPr lang="en-US" sz="1974" dirty="0">
-                <a:solidFill>
-                  <a:srgbClr val="FFFFFF"/>
-                </a:solidFill>
-              </a:rPr>
-              <a:t> , </a:t>
-            </a:r>
-            <a:r>
-              <a:rPr lang="en-US" sz="1974" dirty="0" err="1">
-                <a:solidFill>
-                  <a:srgbClr val="FFFFFF"/>
-                </a:solidFill>
-              </a:rPr>
-              <a:t>si</a:t>
-            </a:r>
-            <a:r>
-              <a:rPr lang="en-US" sz="1974" dirty="0">
-                <a:solidFill>
-                  <a:srgbClr val="FFFFFF"/>
-                </a:solidFill>
-              </a:rPr>
-              <a:t> </a:t>
-            </a:r>
-            <a:r>
-              <a:rPr lang="en-US" sz="1974" dirty="0" err="1">
-                <a:solidFill>
-                  <a:srgbClr val="FFFFFF"/>
-                </a:solidFill>
-              </a:rPr>
-              <a:t>ricostruisce</a:t>
-            </a:r>
-            <a:r>
-              <a:rPr lang="en-US" sz="1974" dirty="0">
-                <a:solidFill>
-                  <a:srgbClr val="FFFFFF"/>
-                </a:solidFill>
-              </a:rPr>
-              <a:t> un </a:t>
-            </a:r>
-            <a:r>
-              <a:rPr lang="en-US" sz="1974" dirty="0" err="1">
-                <a:solidFill>
-                  <a:srgbClr val="FFFFFF"/>
-                </a:solidFill>
-              </a:rPr>
-              <a:t>tessuto</a:t>
-            </a:r>
-            <a:r>
-              <a:rPr lang="en-US" sz="1974" dirty="0">
-                <a:solidFill>
-                  <a:srgbClr val="FFFFFF"/>
-                </a:solidFill>
-              </a:rPr>
-              <a:t> o un </a:t>
-            </a:r>
-            <a:r>
-              <a:rPr lang="en-US" sz="1974" dirty="0" err="1">
-                <a:solidFill>
-                  <a:srgbClr val="FFFFFF"/>
-                </a:solidFill>
-              </a:rPr>
-              <a:t>organo</a:t>
-            </a:r>
-            <a:r>
-              <a:rPr lang="en-US" sz="1974" dirty="0">
-                <a:solidFill>
-                  <a:srgbClr val="FFFFFF"/>
-                </a:solidFill>
-              </a:rPr>
-              <a:t>. </a:t>
-            </a:r>
-            <a:endParaRPr lang="en-US" sz="1974" smtClean="0">
+            <a:endParaRPr lang="en-US" sz="1974">
               <a:solidFill>
                 <a:srgbClr val="FFFFFF"/>
               </a:solidFill>
@@ -21906,7 +21857,7 @@
               <a:buNone/>
             </a:pPr>
             <a:r>
-              <a:rPr lang="en-US" sz="1974" smtClean="0">
+              <a:rPr lang="en-US" sz="1974">
                 <a:solidFill>
                   <a:srgbClr val="FFFFFF"/>
                 </a:solidFill>
@@ -21914,7 +21865,7 @@
               <a:t>Insieme</a:t>
             </a:r>
             <a:r>
-              <a:rPr lang="en-US" sz="1974" dirty="0" smtClean="0">
+              <a:rPr lang="en-US" sz="1974" dirty="0">
                 <a:solidFill>
                   <a:srgbClr val="FFFFFF"/>
                 </a:solidFill>
@@ -22146,7 +22097,7 @@
           <p:nvPr/>
         </p:nvPicPr>
         <p:blipFill rotWithShape="1">
-          <a:blip r:embed="rId4">
+          <a:blip r:embed="rId3">
             <a:alphaModFix/>
           </a:blip>
           <a:srcRect/>
